--- a/LectureSlides/0910OpSem.pptx
+++ b/LectureSlides/0910OpSem.pptx
@@ -253,7 +253,7 @@
           <a:p>
             <a:fld id="{18C79B11-6628-4CD7-8A88-CC5C9899824E}" type="datetimeFigureOut">
               <a:rPr lang="en-US" smtClean="0"/>
-              <a:t>11/11/2024</a:t>
+              <a:t>12/20/2024</a:t>
             </a:fld>
             <a:endParaRPr lang="en-US"/>
           </a:p>
@@ -744,7 +744,7 @@
           <a:p>
             <a:fld id="{694538C1-AF99-4F6F-A201-F88754460A48}" type="datetime1">
               <a:rPr lang="en-US" smtClean="0"/>
-              <a:t>11/11/2024</a:t>
+              <a:t>12/20/2024</a:t>
             </a:fld>
             <a:endParaRPr lang="en-US"/>
           </a:p>
@@ -952,7 +952,7 @@
           <a:p>
             <a:fld id="{8C566720-3199-44E7-A8A2-3CE60DDB3D64}" type="datetime1">
               <a:rPr lang="en-US" smtClean="0"/>
-              <a:t>11/11/2024</a:t>
+              <a:t>12/20/2024</a:t>
             </a:fld>
             <a:endParaRPr lang="en-US"/>
           </a:p>
@@ -1208,7 +1208,7 @@
           <a:p>
             <a:fld id="{FF27D066-00C9-4A7C-BCC4-8A69EF7F726F}" type="datetime1">
               <a:rPr lang="en-US" smtClean="0"/>
-              <a:t>11/11/2024</a:t>
+              <a:t>12/20/2024</a:t>
             </a:fld>
             <a:endParaRPr lang="en-US"/>
           </a:p>
@@ -1393,7 +1393,7 @@
           <a:p>
             <a:fld id="{1900CD6D-00CA-4312-BE5C-A302359C5947}" type="datetime1">
               <a:rPr lang="en-US" smtClean="0"/>
-              <a:t>11/11/2024</a:t>
+              <a:t>12/20/2024</a:t>
             </a:fld>
             <a:endParaRPr lang="en-US"/>
           </a:p>
@@ -1736,7 +1736,7 @@
           <a:p>
             <a:fld id="{7C6394AF-A591-482C-8079-7630332FEBB0}" type="datetime1">
               <a:rPr lang="en-US" smtClean="0"/>
-              <a:t>11/11/2024</a:t>
+              <a:t>12/20/2024</a:t>
             </a:fld>
             <a:endParaRPr lang="en-US"/>
           </a:p>
@@ -2041,7 +2041,7 @@
           <a:p>
             <a:fld id="{09571939-46EB-465E-804D-44ABF525CDB3}" type="datetime1">
               <a:rPr lang="en-US" smtClean="0"/>
-              <a:t>11/11/2024</a:t>
+              <a:t>12/20/2024</a:t>
             </a:fld>
             <a:endParaRPr lang="en-US"/>
           </a:p>
@@ -2450,7 +2450,7 @@
           <a:p>
             <a:fld id="{189FFEF7-AF49-483A-9A1C-9204F609980A}" type="datetime1">
               <a:rPr lang="en-US" smtClean="0"/>
-              <a:t>11/11/2024</a:t>
+              <a:t>12/20/2024</a:t>
             </a:fld>
             <a:endParaRPr lang="en-US"/>
           </a:p>
@@ -2568,7 +2568,7 @@
           <a:p>
             <a:fld id="{6D745902-C23D-42EB-837A-FC6CBB54F647}" type="datetime1">
               <a:rPr lang="en-US" smtClean="0"/>
-              <a:t>11/11/2024</a:t>
+              <a:t>12/20/2024</a:t>
             </a:fld>
             <a:endParaRPr lang="en-US"/>
           </a:p>
@@ -2739,7 +2739,7 @@
           <a:p>
             <a:fld id="{64287B96-E6FD-4D8D-B8D7-F0C3F9BD0B04}" type="datetime1">
               <a:rPr lang="en-US" smtClean="0"/>
-              <a:t>11/11/2024</a:t>
+              <a:t>12/20/2024</a:t>
             </a:fld>
             <a:endParaRPr lang="en-US"/>
           </a:p>
@@ -3108,7 +3108,7 @@
           <a:p>
             <a:fld id="{8E3C70DA-58E5-4674-839E-F18C556C36AD}" type="datetime1">
               <a:rPr lang="en-US" smtClean="0"/>
-              <a:t>11/11/2024</a:t>
+              <a:t>12/20/2024</a:t>
             </a:fld>
             <a:endParaRPr lang="en-US"/>
           </a:p>
@@ -3485,7 +3485,7 @@
           <a:p>
             <a:fld id="{D7BD56CF-9F6C-41B7-8A9B-DFD6629C3C9D}" type="datetime1">
               <a:rPr lang="en-US" smtClean="0"/>
-              <a:t>11/11/2024</a:t>
+              <a:t>12/20/2024</a:t>
             </a:fld>
             <a:endParaRPr lang="en-US"/>
           </a:p>
@@ -3772,7 +3772,7 @@
           <a:p>
             <a:fld id="{4C2B532B-E832-49B0-9AAD-D2E16859C6AF}" type="datetime1">
               <a:rPr lang="en-US" smtClean="0"/>
-              <a:t>11/11/2024</a:t>
+              <a:t>12/20/2024</a:t>
             </a:fld>
             <a:endParaRPr lang="en-US"/>
           </a:p>
@@ -4319,8 +4319,12 @@
           <a:lstStyle/>
           <a:p>
             <a:r>
-              <a:rPr lang="en-US" dirty="0"/>
-              <a:t>06 – Operational Semantics</a:t>
+              <a:rPr lang="en-US"/>
+              <a:t>09,10 </a:t>
+            </a:r>
+            <a:r>
+              <a:rPr lang="en-US" dirty="0"/>
+              <a:t>– Operational Semantics</a:t>
             </a:r>
           </a:p>
         </p:txBody>
